--- a/docs/diagrams/Diagrams-UI.pptx
+++ b/docs/diagrams/Diagrams-UI.pptx
@@ -208,7 +208,7 @@
           <a:p>
             <a:fld id="{F5CC4B3F-88C1-4FFA-B1B6-F41C21DC6924}" type="datetimeFigureOut">
               <a:rPr lang="en-US" smtClean="0"/>
-              <a:t>10/10/2016</a:t>
+              <a:t>10/25/2016</a:t>
             </a:fld>
             <a:endParaRPr lang="en-US"/>
           </a:p>
@@ -654,7 +654,7 @@
           <a:p>
             <a:fld id="{78C97017-6FC3-485B-9764-EAC9E56C1D49}" type="datetimeFigureOut">
               <a:rPr lang="en-US" smtClean="0"/>
-              <a:t>10/10/2016</a:t>
+              <a:t>10/25/2016</a:t>
             </a:fld>
             <a:endParaRPr lang="en-US"/>
           </a:p>
@@ -822,7 +822,7 @@
           <a:p>
             <a:fld id="{78C97017-6FC3-485B-9764-EAC9E56C1D49}" type="datetimeFigureOut">
               <a:rPr lang="en-US" smtClean="0"/>
-              <a:t>10/10/2016</a:t>
+              <a:t>10/25/2016</a:t>
             </a:fld>
             <a:endParaRPr lang="en-US"/>
           </a:p>
@@ -1000,7 +1000,7 @@
           <a:p>
             <a:fld id="{78C97017-6FC3-485B-9764-EAC9E56C1D49}" type="datetimeFigureOut">
               <a:rPr lang="en-US" smtClean="0"/>
-              <a:t>10/10/2016</a:t>
+              <a:t>10/25/2016</a:t>
             </a:fld>
             <a:endParaRPr lang="en-US"/>
           </a:p>
@@ -1168,7 +1168,7 @@
           <a:p>
             <a:fld id="{78C97017-6FC3-485B-9764-EAC9E56C1D49}" type="datetimeFigureOut">
               <a:rPr lang="en-US" smtClean="0"/>
-              <a:t>10/10/2016</a:t>
+              <a:t>10/25/2016</a:t>
             </a:fld>
             <a:endParaRPr lang="en-US"/>
           </a:p>
@@ -1413,7 +1413,7 @@
           <a:p>
             <a:fld id="{78C97017-6FC3-485B-9764-EAC9E56C1D49}" type="datetimeFigureOut">
               <a:rPr lang="en-US" smtClean="0"/>
-              <a:t>10/10/2016</a:t>
+              <a:t>10/25/2016</a:t>
             </a:fld>
             <a:endParaRPr lang="en-US"/>
           </a:p>
@@ -1698,7 +1698,7 @@
           <a:p>
             <a:fld id="{78C97017-6FC3-485B-9764-EAC9E56C1D49}" type="datetimeFigureOut">
               <a:rPr lang="en-US" smtClean="0"/>
-              <a:t>10/10/2016</a:t>
+              <a:t>10/25/2016</a:t>
             </a:fld>
             <a:endParaRPr lang="en-US"/>
           </a:p>
@@ -2117,7 +2117,7 @@
           <a:p>
             <a:fld id="{78C97017-6FC3-485B-9764-EAC9E56C1D49}" type="datetimeFigureOut">
               <a:rPr lang="en-US" smtClean="0"/>
-              <a:t>10/10/2016</a:t>
+              <a:t>10/25/2016</a:t>
             </a:fld>
             <a:endParaRPr lang="en-US"/>
           </a:p>
@@ -2234,7 +2234,7 @@
           <a:p>
             <a:fld id="{78C97017-6FC3-485B-9764-EAC9E56C1D49}" type="datetimeFigureOut">
               <a:rPr lang="en-US" smtClean="0"/>
-              <a:t>10/10/2016</a:t>
+              <a:t>10/25/2016</a:t>
             </a:fld>
             <a:endParaRPr lang="en-US"/>
           </a:p>
@@ -2329,7 +2329,7 @@
           <a:p>
             <a:fld id="{78C97017-6FC3-485B-9764-EAC9E56C1D49}" type="datetimeFigureOut">
               <a:rPr lang="en-US" smtClean="0"/>
-              <a:t>10/10/2016</a:t>
+              <a:t>10/25/2016</a:t>
             </a:fld>
             <a:endParaRPr lang="en-US"/>
           </a:p>
@@ -2604,7 +2604,7 @@
           <a:p>
             <a:fld id="{78C97017-6FC3-485B-9764-EAC9E56C1D49}" type="datetimeFigureOut">
               <a:rPr lang="en-US" smtClean="0"/>
-              <a:t>10/10/2016</a:t>
+              <a:t>10/25/2016</a:t>
             </a:fld>
             <a:endParaRPr lang="en-US"/>
           </a:p>
@@ -2856,7 +2856,7 @@
           <a:p>
             <a:fld id="{78C97017-6FC3-485B-9764-EAC9E56C1D49}" type="datetimeFigureOut">
               <a:rPr lang="en-US" smtClean="0"/>
-              <a:t>10/10/2016</a:t>
+              <a:t>10/25/2016</a:t>
             </a:fld>
             <a:endParaRPr lang="en-US"/>
           </a:p>
@@ -3067,7 +3067,7 @@
           <a:p>
             <a:fld id="{78C97017-6FC3-485B-9764-EAC9E56C1D49}" type="datetimeFigureOut">
               <a:rPr lang="en-US" smtClean="0"/>
-              <a:t>10/10/2016</a:t>
+              <a:t>10/25/2016</a:t>
             </a:fld>
             <a:endParaRPr lang="en-US"/>
           </a:p>
@@ -3451,7 +3451,7 @@
         <p:spPr>
           <a:xfrm>
             <a:off x="1217465" y="1447800"/>
-            <a:ext cx="4917083" cy="3962400"/>
+            <a:ext cx="4917083" cy="4648200"/>
           </a:xfrm>
           <a:prstGeom prst="roundRect">
             <a:avLst>
@@ -3885,7 +3885,7 @@
         </p:nvSpPr>
         <p:spPr>
           <a:xfrm>
-            <a:off x="2592527" y="4563759"/>
+            <a:off x="2592527" y="5236559"/>
             <a:ext cx="1093635" cy="236841"/>
           </a:xfrm>
           <a:prstGeom prst="rect">
@@ -3945,7 +3945,7 @@
         </p:nvSpPr>
         <p:spPr>
           <a:xfrm>
-            <a:off x="2592526" y="3991960"/>
+            <a:off x="2592526" y="3733977"/>
             <a:ext cx="1093635" cy="236841"/>
           </a:xfrm>
           <a:prstGeom prst="rect">
@@ -4005,7 +4005,7 @@
         </p:nvSpPr>
         <p:spPr>
           <a:xfrm>
-            <a:off x="3839323" y="4228801"/>
+            <a:off x="3839323" y="3994351"/>
             <a:ext cx="1040906" cy="236841"/>
           </a:xfrm>
           <a:prstGeom prst="rect">
@@ -4065,7 +4065,7 @@
         </p:nvSpPr>
         <p:spPr>
           <a:xfrm>
-            <a:off x="2592528" y="4966000"/>
+            <a:off x="2592528" y="5638800"/>
             <a:ext cx="1093635" cy="236841"/>
           </a:xfrm>
           <a:prstGeom prst="rect">
@@ -4277,8 +4277,8 @@
         </p:nvCxnSpPr>
         <p:spPr>
           <a:xfrm rot="16200000" flipH="1">
-            <a:off x="1883148" y="3401003"/>
-            <a:ext cx="1242356" cy="176400"/>
+            <a:off x="2012140" y="3272011"/>
+            <a:ext cx="984373" cy="176400"/>
           </a:xfrm>
           <a:prstGeom prst="bentConnector2">
             <a:avLst/>
@@ -4318,8 +4318,8 @@
         </p:nvCxnSpPr>
         <p:spPr>
           <a:xfrm rot="16200000" flipH="1">
-            <a:off x="1597249" y="3686901"/>
-            <a:ext cx="1814155" cy="176401"/>
+            <a:off x="1260849" y="4023301"/>
+            <a:ext cx="2486955" cy="176401"/>
           </a:xfrm>
           <a:prstGeom prst="bentConnector2">
             <a:avLst/>
@@ -4358,8 +4358,8 @@
         </p:nvCxnSpPr>
         <p:spPr>
           <a:xfrm rot="16200000" flipH="1">
-            <a:off x="1184119" y="3676012"/>
-            <a:ext cx="2396440" cy="420377"/>
+            <a:off x="862481" y="4027173"/>
+            <a:ext cx="3069239" cy="390855"/>
           </a:xfrm>
           <a:prstGeom prst="bentConnector2">
             <a:avLst/>
@@ -4519,8 +4519,8 @@
         </p:nvCxnSpPr>
         <p:spPr>
           <a:xfrm rot="5400000">
-            <a:off x="4174488" y="2991741"/>
-            <a:ext cx="2061222" cy="649740"/>
+            <a:off x="4291713" y="2874516"/>
+            <a:ext cx="1826772" cy="649740"/>
           </a:xfrm>
           <a:prstGeom prst="bentConnector2">
             <a:avLst/>
@@ -4601,8 +4601,8 @@
         </p:nvCxnSpPr>
         <p:spPr>
           <a:xfrm rot="5400000">
-            <a:off x="3409976" y="2562187"/>
-            <a:ext cx="2396180" cy="1843807"/>
+            <a:off x="3073576" y="2898587"/>
+            <a:ext cx="3068980" cy="1843807"/>
           </a:xfrm>
           <a:prstGeom prst="bentConnector2">
             <a:avLst/>
@@ -4642,8 +4642,8 @@
         </p:nvCxnSpPr>
         <p:spPr>
           <a:xfrm rot="5400000">
-            <a:off x="3208856" y="2763307"/>
-            <a:ext cx="2798421" cy="1843806"/>
+            <a:off x="2872456" y="3099707"/>
+            <a:ext cx="3471221" cy="1843806"/>
           </a:xfrm>
           <a:prstGeom prst="bentConnector2">
             <a:avLst/>
@@ -5164,8 +5164,8 @@
         </p:nvCxnSpPr>
         <p:spPr>
           <a:xfrm rot="16200000" flipH="1">
-            <a:off x="3430123" y="3938021"/>
-            <a:ext cx="118421" cy="699979"/>
+            <a:off x="3418356" y="3691805"/>
+            <a:ext cx="141954" cy="699979"/>
           </a:xfrm>
           <a:prstGeom prst="bentConnector2">
             <a:avLst/>
@@ -5205,8 +5205,8 @@
         </p:nvCxnSpPr>
         <p:spPr>
           <a:xfrm rot="5400000">
-            <a:off x="3695875" y="2276286"/>
-            <a:ext cx="1824381" cy="1843808"/>
+            <a:off x="3824866" y="2147295"/>
+            <a:ext cx="1566398" cy="1843808"/>
           </a:xfrm>
           <a:prstGeom prst="bentConnector2">
             <a:avLst/>
@@ -5378,7 +5378,7 @@
         </p:nvSpPr>
         <p:spPr>
           <a:xfrm>
-            <a:off x="5431573" y="4488138"/>
+            <a:off x="5435895" y="4251744"/>
             <a:ext cx="229325" cy="160062"/>
           </a:xfrm>
           <a:prstGeom prst="rect">
@@ -5431,7 +5431,7 @@
         </p:nvSpPr>
         <p:spPr>
           <a:xfrm flipV="1">
-            <a:off x="4287130" y="4479334"/>
+            <a:off x="4287130" y="4236802"/>
             <a:ext cx="2469864" cy="94973"/>
           </a:xfrm>
           <a:custGeom>
@@ -5505,6 +5505,343 @@
           </a:p>
         </p:txBody>
       </p:sp>
+      <p:sp>
+        <p:nvSpPr>
+          <p:cNvPr id="68" name="Rectangle 11"/>
+          <p:cNvSpPr/>
+          <p:nvPr/>
+        </p:nvSpPr>
+        <p:spPr>
+          <a:xfrm>
+            <a:off x="2582371" y="4418637"/>
+            <a:ext cx="1093635" cy="236841"/>
+          </a:xfrm>
+          <a:prstGeom prst="rect">
+            <a:avLst/>
+          </a:prstGeom>
+          <a:ln w="19050">
+            <a:solidFill>
+              <a:schemeClr val="accent3"/>
+            </a:solidFill>
+          </a:ln>
+          <a:effectLst/>
+        </p:spPr>
+        <p:style>
+          <a:lnRef idx="1">
+            <a:schemeClr val="accent3"/>
+          </a:lnRef>
+          <a:fillRef idx="2">
+            <a:schemeClr val="accent3"/>
+          </a:fillRef>
+          <a:effectRef idx="1">
+            <a:schemeClr val="accent3"/>
+          </a:effectRef>
+          <a:fontRef idx="minor">
+            <a:schemeClr val="dk1"/>
+          </a:fontRef>
+        </p:style>
+        <p:txBody>
+          <a:bodyPr rtlCol="0" anchor="ctr"/>
+          <a:lstStyle/>
+          <a:p>
+            <a:pPr algn="ctr"/>
+            <a:r>
+              <a:rPr lang="en-US" sz="1050" b="1" dirty="0" err="1" smtClean="0">
+                <a:solidFill>
+                  <a:schemeClr val="accent3">
+                    <a:lumMod val="75000"/>
+                  </a:schemeClr>
+                </a:solidFill>
+              </a:rPr>
+              <a:t>CalendarPanel</a:t>
+            </a:r>
+            <a:endParaRPr lang="en-SG" sz="1050" b="1" dirty="0">
+              <a:solidFill>
+                <a:schemeClr val="accent3">
+                  <a:lumMod val="75000"/>
+                </a:schemeClr>
+              </a:solidFill>
+            </a:endParaRPr>
+          </a:p>
+        </p:txBody>
+      </p:sp>
+      <p:cxnSp>
+        <p:nvCxnSpPr>
+          <p:cNvPr id="69" name="Elbow Connector 63"/>
+          <p:cNvCxnSpPr>
+            <a:stCxn id="39" idx="2"/>
+            <a:endCxn id="68" idx="1"/>
+          </p:cNvCxnSpPr>
+          <p:nvPr/>
+        </p:nvCxnSpPr>
+        <p:spPr>
+          <a:xfrm rot="16200000" flipH="1">
+            <a:off x="1664732" y="3619418"/>
+            <a:ext cx="1669033" cy="166245"/>
+          </a:xfrm>
+          <a:prstGeom prst="bentConnector2">
+            <a:avLst/>
+          </a:prstGeom>
+          <a:ln w="19050">
+            <a:solidFill>
+              <a:schemeClr val="accent3"/>
+            </a:solidFill>
+            <a:headEnd type="none" w="med" len="med"/>
+            <a:tailEnd type="arrow" w="med" len="med"/>
+          </a:ln>
+          <a:effectLst/>
+        </p:spPr>
+        <p:style>
+          <a:lnRef idx="1">
+            <a:schemeClr val="accent2"/>
+          </a:lnRef>
+          <a:fillRef idx="2">
+            <a:schemeClr val="accent2"/>
+          </a:fillRef>
+          <a:effectRef idx="1">
+            <a:schemeClr val="accent2"/>
+          </a:effectRef>
+          <a:fontRef idx="minor">
+            <a:schemeClr val="dk1"/>
+          </a:fontRef>
+        </p:style>
+      </p:cxnSp>
+      <p:sp>
+        <p:nvSpPr>
+          <p:cNvPr id="72" name="Rectangle 71"/>
+          <p:cNvSpPr/>
+          <p:nvPr/>
+        </p:nvSpPr>
+        <p:spPr>
+          <a:xfrm>
+            <a:off x="5414416" y="4703892"/>
+            <a:ext cx="229325" cy="160062"/>
+          </a:xfrm>
+          <a:prstGeom prst="rect">
+            <a:avLst/>
+          </a:prstGeom>
+          <a:solidFill>
+            <a:schemeClr val="accent3">
+              <a:lumMod val="20000"/>
+              <a:lumOff val="80000"/>
+              <a:alpha val="80000"/>
+            </a:schemeClr>
+          </a:solidFill>
+          <a:ln>
+            <a:noFill/>
+          </a:ln>
+          <a:effectLst>
+            <a:softEdge rad="31750"/>
+          </a:effectLst>
+        </p:spPr>
+        <p:style>
+          <a:lnRef idx="2">
+            <a:schemeClr val="accent1">
+              <a:shade val="50000"/>
+            </a:schemeClr>
+          </a:lnRef>
+          <a:fillRef idx="1">
+            <a:schemeClr val="accent1"/>
+          </a:fillRef>
+          <a:effectRef idx="0">
+            <a:schemeClr val="accent1"/>
+          </a:effectRef>
+          <a:fontRef idx="minor">
+            <a:schemeClr val="lt1"/>
+          </a:fontRef>
+        </p:style>
+        <p:txBody>
+          <a:bodyPr rtlCol="0" anchor="ctr"/>
+          <a:lstStyle/>
+          <a:p>
+            <a:pPr algn="ctr"/>
+            <a:endParaRPr lang="en-SG"/>
+          </a:p>
+        </p:txBody>
+      </p:sp>
+      <p:sp>
+        <p:nvSpPr>
+          <p:cNvPr id="75" name="Freeform 74"/>
+          <p:cNvSpPr/>
+          <p:nvPr/>
+        </p:nvSpPr>
+        <p:spPr>
+          <a:xfrm flipV="1">
+            <a:off x="3566864" y="4670419"/>
+            <a:ext cx="3190129" cy="109001"/>
+          </a:xfrm>
+          <a:custGeom>
+            <a:avLst/>
+            <a:gdLst>
+              <a:gd name="connsiteX0" fmla="*/ 0 w 3048000"/>
+              <a:gd name="connsiteY0" fmla="*/ 203200 h 203200"/>
+              <a:gd name="connsiteX1" fmla="*/ 221673 w 3048000"/>
+              <a:gd name="connsiteY1" fmla="*/ 0 h 203200"/>
+              <a:gd name="connsiteX2" fmla="*/ 3048000 w 3048000"/>
+              <a:gd name="connsiteY2" fmla="*/ 0 h 203200"/>
+            </a:gdLst>
+            <a:ahLst/>
+            <a:cxnLst>
+              <a:cxn ang="0">
+                <a:pos x="connsiteX0" y="connsiteY0"/>
+              </a:cxn>
+              <a:cxn ang="0">
+                <a:pos x="connsiteX1" y="connsiteY1"/>
+              </a:cxn>
+              <a:cxn ang="0">
+                <a:pos x="connsiteX2" y="connsiteY2"/>
+              </a:cxn>
+            </a:cxnLst>
+            <a:rect l="l" t="t" r="r" b="b"/>
+            <a:pathLst>
+              <a:path w="3048000" h="203200">
+                <a:moveTo>
+                  <a:pt x="0" y="203200"/>
+                </a:moveTo>
+                <a:lnTo>
+                  <a:pt x="221673" y="0"/>
+                </a:lnTo>
+                <a:lnTo>
+                  <a:pt x="3048000" y="0"/>
+                </a:lnTo>
+              </a:path>
+            </a:pathLst>
+          </a:custGeom>
+          <a:noFill/>
+          <a:ln w="19050">
+            <a:solidFill>
+              <a:schemeClr val="accent3"/>
+            </a:solidFill>
+            <a:prstDash val="sysDot"/>
+            <a:headEnd type="none" w="med" len="med"/>
+            <a:tailEnd type="arrow" w="med" len="med"/>
+          </a:ln>
+          <a:effectLst/>
+        </p:spPr>
+        <p:style>
+          <a:lnRef idx="1">
+            <a:schemeClr val="accent2"/>
+          </a:lnRef>
+          <a:fillRef idx="2">
+            <a:schemeClr val="accent2"/>
+          </a:fillRef>
+          <a:effectRef idx="1">
+            <a:schemeClr val="accent2"/>
+          </a:effectRef>
+          <a:fontRef idx="minor">
+            <a:schemeClr val="dk1"/>
+          </a:fontRef>
+        </p:style>
+        <p:txBody>
+          <a:bodyPr rtlCol="0" anchor="ctr"/>
+          <a:lstStyle/>
+          <a:p>
+            <a:pPr algn="ctr"/>
+            <a:endParaRPr lang="en-SG"/>
+          </a:p>
+        </p:txBody>
+      </p:sp>
+      <p:sp>
+        <p:nvSpPr>
+          <p:cNvPr id="51" name="Rectangle 11"/>
+          <p:cNvSpPr/>
+          <p:nvPr/>
+        </p:nvSpPr>
+        <p:spPr>
+          <a:xfrm>
+            <a:off x="3839323" y="4904798"/>
+            <a:ext cx="1040906" cy="236841"/>
+          </a:xfrm>
+          <a:prstGeom prst="rect">
+            <a:avLst/>
+          </a:prstGeom>
+          <a:ln w="19050">
+            <a:solidFill>
+              <a:schemeClr val="accent3"/>
+            </a:solidFill>
+          </a:ln>
+          <a:effectLst/>
+        </p:spPr>
+        <p:style>
+          <a:lnRef idx="1">
+            <a:schemeClr val="accent3"/>
+          </a:lnRef>
+          <a:fillRef idx="2">
+            <a:schemeClr val="accent3"/>
+          </a:fillRef>
+          <a:effectRef idx="1">
+            <a:schemeClr val="accent3"/>
+          </a:effectRef>
+          <a:fontRef idx="minor">
+            <a:schemeClr val="dk1"/>
+          </a:fontRef>
+        </p:style>
+        <p:txBody>
+          <a:bodyPr rtlCol="0" anchor="ctr"/>
+          <a:lstStyle/>
+          <a:p>
+            <a:pPr algn="ctr"/>
+            <a:r>
+              <a:rPr lang="en-US" sz="1050" b="1" dirty="0" smtClean="0">
+                <a:solidFill>
+                  <a:schemeClr val="accent3">
+                    <a:lumMod val="75000"/>
+                  </a:schemeClr>
+                </a:solidFill>
+              </a:rPr>
+              <a:t>Agenda</a:t>
+            </a:r>
+            <a:endParaRPr lang="en-SG" sz="1050" b="1" dirty="0">
+              <a:solidFill>
+                <a:schemeClr val="accent3">
+                  <a:lumMod val="75000"/>
+                </a:schemeClr>
+              </a:solidFill>
+            </a:endParaRPr>
+          </a:p>
+        </p:txBody>
+      </p:sp>
+      <p:cxnSp>
+        <p:nvCxnSpPr>
+          <p:cNvPr id="52" name="Elbow Connector 51"/>
+          <p:cNvCxnSpPr>
+            <a:stCxn id="68" idx="2"/>
+            <a:endCxn id="51" idx="1"/>
+          </p:cNvCxnSpPr>
+          <p:nvPr/>
+        </p:nvCxnSpPr>
+        <p:spPr>
+          <a:xfrm rot="16200000" flipH="1">
+            <a:off x="3300386" y="4484281"/>
+            <a:ext cx="367741" cy="710134"/>
+          </a:xfrm>
+          <a:prstGeom prst="bentConnector2">
+            <a:avLst/>
+          </a:prstGeom>
+          <a:ln w="19050">
+            <a:solidFill>
+              <a:schemeClr val="accent3"/>
+            </a:solidFill>
+            <a:headEnd type="none" w="med" len="med"/>
+            <a:tailEnd type="arrow" w="med" len="med"/>
+          </a:ln>
+          <a:effectLst/>
+        </p:spPr>
+        <p:style>
+          <a:lnRef idx="1">
+            <a:schemeClr val="accent2"/>
+          </a:lnRef>
+          <a:fillRef idx="2">
+            <a:schemeClr val="accent2"/>
+          </a:fillRef>
+          <a:effectRef idx="1">
+            <a:schemeClr val="accent2"/>
+          </a:effectRef>
+          <a:fontRef idx="minor">
+            <a:schemeClr val="dk1"/>
+          </a:fontRef>
+        </p:style>
+      </p:cxnSp>
     </p:spTree>
     <p:extLst>
       <p:ext uri="{BB962C8B-B14F-4D97-AF65-F5344CB8AC3E}">
